--- a/3. Back-end/1. JavaCore/3-2. Access Modifier trong java.pptx
+++ b/3. Back-end/1. JavaCore/3-2. Access Modifier trong java.pptx
@@ -16,8 +16,11 @@
     <p:sldId id="272" r:id="rId10"/>
     <p:sldId id="273" r:id="rId11"/>
     <p:sldId id="277" r:id="rId12"/>
-    <p:sldId id="279" r:id="rId13"/>
-    <p:sldId id="268" r:id="rId14"/>
+    <p:sldId id="280" r:id="rId13"/>
+    <p:sldId id="281" r:id="rId14"/>
+    <p:sldId id="282" r:id="rId15"/>
+    <p:sldId id="279" r:id="rId16"/>
+    <p:sldId id="268" r:id="rId17"/>
   </p:sldIdLst>
   <p:sldSz cx="9144000" cy="6858000" type="screen4x3"/>
   <p:notesSz cx="6858000" cy="9144000"/>
@@ -3299,11 +3302,7 @@
             </a:r>
             <a:r>
               <a:rPr lang="en-US" dirty="0" smtClean="0"/>
-              <a:t>: private String </a:t>
-            </a:r>
-            <a:r>
-              <a:rPr lang="en-US" dirty="0" smtClean="0"/>
-              <a:t>name;</a:t>
+              <a:t>: private String name;</a:t>
             </a:r>
           </a:p>
           <a:p>
@@ -3587,6 +3586,703 @@
           <a:lstStyle/>
           <a:p>
             <a:r>
+              <a:rPr lang="en-US" b="1" dirty="0" smtClean="0"/>
+              <a:t>private</a:t>
+            </a:r>
+            <a:endParaRPr lang="en-GB" b="1" dirty="0"/>
+          </a:p>
+        </p:txBody>
+      </p:sp>
+      <p:sp>
+        <p:nvSpPr>
+          <p:cNvPr id="3" name="Content Placeholder 2"/>
+          <p:cNvSpPr>
+            <a:spLocks noGrp="1"/>
+          </p:cNvSpPr>
+          <p:nvPr>
+            <p:ph idx="1"/>
+          </p:nvPr>
+        </p:nvSpPr>
+        <p:spPr>
+          <a:xfrm>
+            <a:off x="457200" y="1600201"/>
+            <a:ext cx="8229600" cy="685800"/>
+          </a:xfrm>
+        </p:spPr>
+        <p:style>
+          <a:lnRef idx="2">
+            <a:schemeClr val="accent3"/>
+          </a:lnRef>
+          <a:fillRef idx="1">
+            <a:schemeClr val="lt1"/>
+          </a:fillRef>
+          <a:effectRef idx="0">
+            <a:schemeClr val="accent3"/>
+          </a:effectRef>
+          <a:fontRef idx="minor">
+            <a:schemeClr val="dk1"/>
+          </a:fontRef>
+        </p:style>
+        <p:txBody>
+          <a:bodyPr/>
+          <a:lstStyle/>
+          <a:p>
+            <a:pPr marL="0" indent="0">
+              <a:buNone/>
+            </a:pPr>
+            <a:r>
+              <a:rPr lang="en-GB" dirty="0" err="1" smtClean="0"/>
+              <a:t>Chỉ</a:t>
+            </a:r>
+            <a:r>
+              <a:rPr lang="en-GB" dirty="0" smtClean="0"/>
+              <a:t> </a:t>
+            </a:r>
+            <a:r>
+              <a:rPr lang="en-GB" dirty="0" err="1"/>
+              <a:t>cho</a:t>
+            </a:r>
+            <a:r>
+              <a:rPr lang="en-GB" dirty="0"/>
+              <a:t> </a:t>
+            </a:r>
+            <a:r>
+              <a:rPr lang="en-GB" dirty="0" err="1"/>
+              <a:t>phép</a:t>
+            </a:r>
+            <a:r>
+              <a:rPr lang="en-GB" dirty="0"/>
+              <a:t> </a:t>
+            </a:r>
+            <a:r>
+              <a:rPr lang="en-GB" dirty="0" err="1"/>
+              <a:t>truy</a:t>
+            </a:r>
+            <a:r>
+              <a:rPr lang="en-GB" dirty="0"/>
+              <a:t> </a:t>
+            </a:r>
+            <a:r>
+              <a:rPr lang="en-GB" dirty="0" err="1"/>
+              <a:t>cập</a:t>
+            </a:r>
+            <a:r>
+              <a:rPr lang="en-GB" dirty="0"/>
+              <a:t> </a:t>
+            </a:r>
+            <a:r>
+              <a:rPr lang="en-GB" dirty="0" err="1"/>
+              <a:t>trong</a:t>
+            </a:r>
+            <a:r>
+              <a:rPr lang="en-GB" dirty="0"/>
+              <a:t> </a:t>
+            </a:r>
+            <a:r>
+              <a:rPr lang="en-GB" dirty="0" err="1"/>
+              <a:t>nội</a:t>
+            </a:r>
+            <a:r>
+              <a:rPr lang="en-GB" dirty="0"/>
+              <a:t> </a:t>
+            </a:r>
+            <a:r>
+              <a:rPr lang="en-GB" dirty="0" err="1"/>
+              <a:t>bộ</a:t>
+            </a:r>
+            <a:r>
+              <a:rPr lang="en-GB" dirty="0"/>
+              <a:t> </a:t>
+            </a:r>
+            <a:r>
+              <a:rPr lang="en-GB" dirty="0" err="1"/>
+              <a:t>một</a:t>
+            </a:r>
+            <a:r>
+              <a:rPr lang="en-GB" dirty="0"/>
+              <a:t> class.</a:t>
+            </a:r>
+            <a:endParaRPr lang="en-GB" dirty="0"/>
+          </a:p>
+        </p:txBody>
+      </p:sp>
+      <p:pic>
+        <p:nvPicPr>
+          <p:cNvPr id="1026" name="Picture 2"/>
+          <p:cNvPicPr>
+            <a:picLocks noChangeAspect="1" noChangeArrowheads="1"/>
+          </p:cNvPicPr>
+          <p:nvPr/>
+        </p:nvPicPr>
+        <p:blipFill>
+          <a:blip r:embed="rId2">
+            <a:extLst>
+              <a:ext uri="{28A0092B-C50C-407E-A947-70E740481C1C}">
+                <a14:useLocalDpi xmlns:a14="http://schemas.microsoft.com/office/drawing/2010/main" val="0"/>
+              </a:ext>
+            </a:extLst>
+          </a:blip>
+          <a:srcRect/>
+          <a:stretch>
+            <a:fillRect/>
+          </a:stretch>
+        </p:blipFill>
+        <p:spPr bwMode="auto">
+          <a:xfrm>
+            <a:off x="1828800" y="2885294"/>
+            <a:ext cx="5076825" cy="1019175"/>
+          </a:xfrm>
+          <a:prstGeom prst="rect">
+            <a:avLst/>
+          </a:prstGeom>
+          <a:ln/>
+        </p:spPr>
+        <p:style>
+          <a:lnRef idx="2">
+            <a:schemeClr val="accent3"/>
+          </a:lnRef>
+          <a:fillRef idx="1">
+            <a:schemeClr val="lt1"/>
+          </a:fillRef>
+          <a:effectRef idx="0">
+            <a:schemeClr val="accent3"/>
+          </a:effectRef>
+          <a:fontRef idx="minor">
+            <a:schemeClr val="dk1"/>
+          </a:fontRef>
+        </p:style>
+      </p:pic>
+      <p:sp>
+        <p:nvSpPr>
+          <p:cNvPr id="6" name="TextBox 5"/>
+          <p:cNvSpPr txBox="1"/>
+          <p:nvPr/>
+        </p:nvSpPr>
+        <p:spPr>
+          <a:xfrm>
+            <a:off x="2089731" y="4950767"/>
+            <a:ext cx="4555414" cy="461665"/>
+          </a:xfrm>
+          <a:prstGeom prst="rect">
+            <a:avLst/>
+          </a:prstGeom>
+          <a:noFill/>
+        </p:spPr>
+        <p:txBody>
+          <a:bodyPr wrap="none" rtlCol="0">
+            <a:spAutoFit/>
+          </a:bodyPr>
+          <a:lstStyle/>
+          <a:p>
+            <a:r>
+              <a:rPr lang="en-US" sz="2400" dirty="0" err="1" smtClean="0"/>
+              <a:t>Biến</a:t>
+            </a:r>
+            <a:r>
+              <a:rPr lang="en-US" sz="2400" dirty="0" smtClean="0"/>
+              <a:t> name </a:t>
+            </a:r>
+            <a:r>
+              <a:rPr lang="en-US" sz="2400" dirty="0" err="1" smtClean="0"/>
+              <a:t>chỉ</a:t>
+            </a:r>
+            <a:r>
+              <a:rPr lang="en-US" sz="2400" dirty="0" smtClean="0"/>
+              <a:t> </a:t>
+            </a:r>
+            <a:r>
+              <a:rPr lang="en-US" sz="2400" dirty="0" err="1" smtClean="0"/>
+              <a:t>được</a:t>
+            </a:r>
+            <a:r>
+              <a:rPr lang="en-US" sz="2400" dirty="0" smtClean="0"/>
+              <a:t> </a:t>
+            </a:r>
+            <a:r>
+              <a:rPr lang="en-US" sz="2400" dirty="0" err="1" smtClean="0"/>
+              <a:t>gọi</a:t>
+            </a:r>
+            <a:r>
+              <a:rPr lang="en-US" sz="2400" dirty="0" smtClean="0"/>
+              <a:t> </a:t>
+            </a:r>
+            <a:r>
+              <a:rPr lang="en-US" sz="2400" dirty="0" err="1" smtClean="0"/>
+              <a:t>trong</a:t>
+            </a:r>
+            <a:r>
+              <a:rPr lang="en-US" sz="2400" dirty="0" smtClean="0"/>
+              <a:t> Class</a:t>
+            </a:r>
+            <a:endParaRPr lang="en-GB" sz="2400" dirty="0"/>
+          </a:p>
+        </p:txBody>
+      </p:sp>
+    </p:spTree>
+    <p:extLst>
+      <p:ext uri="{BB962C8B-B14F-4D97-AF65-F5344CB8AC3E}">
+        <p14:creationId xmlns:p14="http://schemas.microsoft.com/office/powerpoint/2010/main" val="1927066475"/>
+      </p:ext>
+    </p:extLst>
+  </p:cSld>
+  <p:clrMapOvr>
+    <a:masterClrMapping/>
+  </p:clrMapOvr>
+  <p:timing>
+    <p:tnLst>
+      <p:par>
+        <p:cTn id="1" dur="indefinite" restart="never" nodeType="tmRoot"/>
+      </p:par>
+    </p:tnLst>
+  </p:timing>
+</p:sld>
+</file>
+
+<file path=ppt/slides/slide13.xml><?xml version="1.0" encoding="utf-8"?>
+<p:sld xmlns:a="http://schemas.openxmlformats.org/drawingml/2006/main" xmlns:r="http://schemas.openxmlformats.org/officeDocument/2006/relationships" xmlns:p="http://schemas.openxmlformats.org/presentationml/2006/main">
+  <p:cSld>
+    <p:spTree>
+      <p:nvGrpSpPr>
+        <p:cNvPr id="1" name=""/>
+        <p:cNvGrpSpPr/>
+        <p:nvPr/>
+      </p:nvGrpSpPr>
+      <p:grpSpPr>
+        <a:xfrm>
+          <a:off x="0" y="0"/>
+          <a:ext cx="0" cy="0"/>
+          <a:chOff x="0" y="0"/>
+          <a:chExt cx="0" cy="0"/>
+        </a:xfrm>
+      </p:grpSpPr>
+      <p:sp>
+        <p:nvSpPr>
+          <p:cNvPr id="2" name="Title 1"/>
+          <p:cNvSpPr>
+            <a:spLocks noGrp="1"/>
+          </p:cNvSpPr>
+          <p:nvPr>
+            <p:ph type="title"/>
+          </p:nvPr>
+        </p:nvSpPr>
+        <p:spPr/>
+        <p:txBody>
+          <a:bodyPr/>
+          <a:lstStyle/>
+          <a:p>
+            <a:r>
+              <a:rPr lang="en-US" b="1" dirty="0" smtClean="0"/>
+              <a:t>protected</a:t>
+            </a:r>
+            <a:endParaRPr lang="en-GB" b="1" dirty="0"/>
+          </a:p>
+        </p:txBody>
+      </p:sp>
+      <p:sp>
+        <p:nvSpPr>
+          <p:cNvPr id="3" name="Content Placeholder 2"/>
+          <p:cNvSpPr>
+            <a:spLocks noGrp="1"/>
+          </p:cNvSpPr>
+          <p:nvPr>
+            <p:ph idx="1"/>
+          </p:nvPr>
+        </p:nvSpPr>
+        <p:spPr/>
+        <p:txBody>
+          <a:bodyPr>
+            <a:normAutofit lnSpcReduction="10000"/>
+          </a:bodyPr>
+          <a:lstStyle/>
+          <a:p>
+            <a:r>
+              <a:rPr lang="en-GB" dirty="0" err="1" smtClean="0"/>
+              <a:t>Chỉ</a:t>
+            </a:r>
+            <a:r>
+              <a:rPr lang="en-GB" dirty="0" smtClean="0"/>
+              <a:t> </a:t>
+            </a:r>
+            <a:r>
+              <a:rPr lang="en-GB" dirty="0" err="1" smtClean="0"/>
+              <a:t>áp</a:t>
+            </a:r>
+            <a:r>
+              <a:rPr lang="en-GB" dirty="0" smtClean="0"/>
+              <a:t> </a:t>
+            </a:r>
+            <a:r>
+              <a:rPr lang="en-GB" dirty="0" err="1" smtClean="0"/>
+              <a:t>dụng</a:t>
+            </a:r>
+            <a:r>
+              <a:rPr lang="en-GB" dirty="0" smtClean="0"/>
+              <a:t>:</a:t>
+            </a:r>
+          </a:p>
+          <a:p>
+            <a:pPr lvl="1"/>
+            <a:r>
+              <a:rPr lang="en-US" dirty="0" smtClean="0"/>
+              <a:t> Fields</a:t>
+            </a:r>
+            <a:endParaRPr lang="en-GB" dirty="0" smtClean="0"/>
+          </a:p>
+          <a:p>
+            <a:pPr lvl="1"/>
+            <a:r>
+              <a:rPr lang="en-GB" dirty="0" smtClean="0"/>
+              <a:t>Method</a:t>
+            </a:r>
+          </a:p>
+          <a:p>
+            <a:pPr lvl="1"/>
+            <a:r>
+              <a:rPr lang="en-GB" dirty="0" smtClean="0"/>
+              <a:t>Constructor</a:t>
+            </a:r>
+          </a:p>
+          <a:p>
+            <a:r>
+              <a:rPr lang="en-US" dirty="0" err="1" smtClean="0"/>
+              <a:t>Không</a:t>
+            </a:r>
+            <a:r>
+              <a:rPr lang="en-US" dirty="0" smtClean="0"/>
+              <a:t> </a:t>
+            </a:r>
+            <a:r>
+              <a:rPr lang="en-US" dirty="0" err="1" smtClean="0"/>
+              <a:t>áp</a:t>
+            </a:r>
+            <a:r>
+              <a:rPr lang="en-US" dirty="0" smtClean="0"/>
+              <a:t> </a:t>
+            </a:r>
+            <a:r>
+              <a:rPr lang="en-US" dirty="0" err="1" smtClean="0"/>
+              <a:t>dụng</a:t>
+            </a:r>
+            <a:endParaRPr lang="en-US" dirty="0" smtClean="0"/>
+          </a:p>
+          <a:p>
+            <a:pPr lvl="1"/>
+            <a:r>
+              <a:rPr lang="en-US" dirty="0" smtClean="0"/>
+              <a:t>Interface</a:t>
+            </a:r>
+          </a:p>
+          <a:p>
+            <a:pPr lvl="1"/>
+            <a:r>
+              <a:rPr lang="en-US" dirty="0" smtClean="0"/>
+              <a:t>Class</a:t>
+            </a:r>
+          </a:p>
+          <a:p>
+            <a:pPr lvl="1"/>
+            <a:r>
+              <a:rPr lang="en-US" dirty="0" smtClean="0"/>
+              <a:t>Annotation</a:t>
+            </a:r>
+          </a:p>
+          <a:p>
+            <a:pPr lvl="1"/>
+            <a:r>
+              <a:rPr lang="en-US" dirty="0" err="1" smtClean="0"/>
+              <a:t>Enum</a:t>
+            </a:r>
+            <a:endParaRPr lang="en-GB" dirty="0"/>
+          </a:p>
+        </p:txBody>
+      </p:sp>
+    </p:spTree>
+    <p:extLst>
+      <p:ext uri="{BB962C8B-B14F-4D97-AF65-F5344CB8AC3E}">
+        <p14:creationId xmlns:p14="http://schemas.microsoft.com/office/powerpoint/2010/main" val="3947762792"/>
+      </p:ext>
+    </p:extLst>
+  </p:cSld>
+  <p:clrMapOvr>
+    <a:masterClrMapping/>
+  </p:clrMapOvr>
+</p:sld>
+</file>
+
+<file path=ppt/slides/slide14.xml><?xml version="1.0" encoding="utf-8"?>
+<p:sld xmlns:a="http://schemas.openxmlformats.org/drawingml/2006/main" xmlns:r="http://schemas.openxmlformats.org/officeDocument/2006/relationships" xmlns:p="http://schemas.openxmlformats.org/presentationml/2006/main">
+  <p:cSld>
+    <p:spTree>
+      <p:nvGrpSpPr>
+        <p:cNvPr id="1" name=""/>
+        <p:cNvGrpSpPr/>
+        <p:nvPr/>
+      </p:nvGrpSpPr>
+      <p:grpSpPr>
+        <a:xfrm>
+          <a:off x="0" y="0"/>
+          <a:ext cx="0" cy="0"/>
+          <a:chOff x="0" y="0"/>
+          <a:chExt cx="0" cy="0"/>
+        </a:xfrm>
+      </p:grpSpPr>
+      <p:sp>
+        <p:nvSpPr>
+          <p:cNvPr id="2" name="Title 1"/>
+          <p:cNvSpPr>
+            <a:spLocks noGrp="1"/>
+          </p:cNvSpPr>
+          <p:nvPr>
+            <p:ph type="title"/>
+          </p:nvPr>
+        </p:nvSpPr>
+        <p:spPr/>
+        <p:txBody>
+          <a:bodyPr/>
+          <a:lstStyle/>
+          <a:p>
+            <a:r>
+              <a:rPr lang="en-US" dirty="0" err="1" smtClean="0"/>
+              <a:t>Quy</a:t>
+            </a:r>
+            <a:r>
+              <a:rPr lang="en-US" dirty="0" smtClean="0"/>
+              <a:t> </a:t>
+            </a:r>
+            <a:r>
+              <a:rPr lang="en-US" dirty="0" err="1" smtClean="0"/>
+              <a:t>tắc</a:t>
+            </a:r>
+            <a:r>
+              <a:rPr lang="en-US" dirty="0" smtClean="0"/>
+              <a:t> </a:t>
+            </a:r>
+            <a:r>
+              <a:rPr lang="en-US" dirty="0" err="1" smtClean="0"/>
+              <a:t>ghi</a:t>
+            </a:r>
+            <a:r>
+              <a:rPr lang="en-US" dirty="0" smtClean="0"/>
+              <a:t> </a:t>
+            </a:r>
+            <a:r>
+              <a:rPr lang="en-US" dirty="0" err="1" smtClean="0"/>
+              <a:t>đè</a:t>
+            </a:r>
+            <a:endParaRPr lang="en-GB" dirty="0"/>
+          </a:p>
+        </p:txBody>
+      </p:sp>
+      <p:sp>
+        <p:nvSpPr>
+          <p:cNvPr id="3" name="Content Placeholder 2"/>
+          <p:cNvSpPr>
+            <a:spLocks noGrp="1"/>
+          </p:cNvSpPr>
+          <p:nvPr>
+            <p:ph idx="1"/>
+          </p:nvPr>
+        </p:nvSpPr>
+        <p:spPr/>
+        <p:txBody>
+          <a:bodyPr/>
+          <a:lstStyle/>
+          <a:p>
+            <a:r>
+              <a:rPr lang="en-US" dirty="0" err="1" smtClean="0"/>
+              <a:t>Ghi</a:t>
+            </a:r>
+            <a:r>
+              <a:rPr lang="en-US" dirty="0" smtClean="0"/>
+              <a:t> </a:t>
+            </a:r>
+            <a:r>
+              <a:rPr lang="en-US" dirty="0" err="1" smtClean="0"/>
+              <a:t>đè</a:t>
+            </a:r>
+            <a:r>
+              <a:rPr lang="en-US" dirty="0" smtClean="0"/>
+              <a:t> </a:t>
+            </a:r>
+            <a:r>
+              <a:rPr lang="en-US" dirty="0" err="1" smtClean="0"/>
+              <a:t>phương</a:t>
+            </a:r>
+            <a:r>
+              <a:rPr lang="en-US" dirty="0" smtClean="0"/>
+              <a:t> </a:t>
+            </a:r>
+            <a:r>
+              <a:rPr lang="en-US" dirty="0" err="1" smtClean="0"/>
+              <a:t>thức</a:t>
+            </a:r>
+            <a:r>
+              <a:rPr lang="en-US" dirty="0" smtClean="0"/>
+              <a:t> </a:t>
+            </a:r>
+            <a:r>
+              <a:rPr lang="en-US" dirty="0" err="1" smtClean="0"/>
+              <a:t>từ</a:t>
+            </a:r>
+            <a:r>
+              <a:rPr lang="en-US" dirty="0" smtClean="0"/>
+              <a:t> class cha</a:t>
+            </a:r>
+          </a:p>
+          <a:p>
+            <a:pPr lvl="1"/>
+            <a:r>
+              <a:rPr lang="en-US" dirty="0" err="1" smtClean="0"/>
+              <a:t>Cùng</a:t>
+            </a:r>
+            <a:r>
+              <a:rPr lang="en-US" dirty="0" smtClean="0"/>
+              <a:t> </a:t>
+            </a:r>
+            <a:r>
+              <a:rPr lang="en-US" dirty="0" err="1" smtClean="0"/>
+              <a:t>tên</a:t>
+            </a:r>
+            <a:endParaRPr lang="en-US" dirty="0" smtClean="0"/>
+          </a:p>
+          <a:p>
+            <a:pPr lvl="1"/>
+            <a:r>
+              <a:rPr lang="en-US" dirty="0" err="1" smtClean="0"/>
+              <a:t>Cùng</a:t>
+            </a:r>
+            <a:r>
+              <a:rPr lang="en-US" dirty="0" smtClean="0"/>
+              <a:t> </a:t>
+            </a:r>
+            <a:r>
+              <a:rPr lang="en-US" dirty="0" err="1" smtClean="0"/>
+              <a:t>tham</a:t>
+            </a:r>
+            <a:r>
+              <a:rPr lang="en-US" dirty="0" smtClean="0"/>
+              <a:t> </a:t>
+            </a:r>
+            <a:r>
+              <a:rPr lang="en-US" dirty="0" err="1" smtClean="0"/>
+              <a:t>số</a:t>
+            </a:r>
+            <a:r>
+              <a:rPr lang="en-US" dirty="0" smtClean="0"/>
+              <a:t>	</a:t>
+            </a:r>
+          </a:p>
+          <a:p>
+            <a:r>
+              <a:rPr lang="en-US" dirty="0" err="1" smtClean="0"/>
+              <a:t>Không</a:t>
+            </a:r>
+            <a:r>
+              <a:rPr lang="en-US" dirty="0" smtClean="0"/>
+              <a:t> </a:t>
+            </a:r>
+            <a:r>
+              <a:rPr lang="en-US" dirty="0" err="1" smtClean="0"/>
+              <a:t>làm</a:t>
+            </a:r>
+            <a:r>
+              <a:rPr lang="en-US" dirty="0" smtClean="0"/>
+              <a:t> </a:t>
+            </a:r>
+            <a:r>
+              <a:rPr lang="en-US" dirty="0" err="1" smtClean="0"/>
+              <a:t>hạn</a:t>
+            </a:r>
+            <a:r>
+              <a:rPr lang="en-US" dirty="0" smtClean="0"/>
+              <a:t> </a:t>
+            </a:r>
+            <a:r>
+              <a:rPr lang="en-US" dirty="0" err="1" smtClean="0"/>
+              <a:t>chế</a:t>
+            </a:r>
+            <a:r>
+              <a:rPr lang="en-US" dirty="0" smtClean="0"/>
+              <a:t> </a:t>
+            </a:r>
+            <a:r>
+              <a:rPr lang="en-US" dirty="0" err="1" smtClean="0"/>
+              <a:t>phạm</a:t>
+            </a:r>
+            <a:r>
+              <a:rPr lang="en-US" dirty="0" smtClean="0"/>
+              <a:t> </a:t>
+            </a:r>
+            <a:r>
+              <a:rPr lang="en-US" dirty="0" err="1" smtClean="0"/>
+              <a:t>của</a:t>
+            </a:r>
+            <a:r>
+              <a:rPr lang="en-US" dirty="0" smtClean="0"/>
+              <a:t> method </a:t>
+            </a:r>
+            <a:r>
+              <a:rPr lang="en-US" dirty="0" err="1" smtClean="0"/>
+              <a:t>ghi</a:t>
+            </a:r>
+            <a:r>
+              <a:rPr lang="en-US" dirty="0" smtClean="0"/>
+              <a:t> </a:t>
+            </a:r>
+            <a:r>
+              <a:rPr lang="en-US" dirty="0" err="1" smtClean="0"/>
+              <a:t>đè</a:t>
+            </a:r>
+            <a:endParaRPr lang="en-GB" dirty="0"/>
+          </a:p>
+        </p:txBody>
+      </p:sp>
+    </p:spTree>
+    <p:extLst>
+      <p:ext uri="{BB962C8B-B14F-4D97-AF65-F5344CB8AC3E}">
+        <p14:creationId xmlns:p14="http://schemas.microsoft.com/office/powerpoint/2010/main" val="440176142"/>
+      </p:ext>
+    </p:extLst>
+  </p:cSld>
+  <p:clrMapOvr>
+    <a:masterClrMapping/>
+  </p:clrMapOvr>
+</p:sld>
+</file>
+
+<file path=ppt/slides/slide15.xml><?xml version="1.0" encoding="utf-8"?>
+<p:sld xmlns:a="http://schemas.openxmlformats.org/drawingml/2006/main" xmlns:r="http://schemas.openxmlformats.org/officeDocument/2006/relationships" xmlns:p="http://schemas.openxmlformats.org/presentationml/2006/main">
+  <p:cSld>
+    <p:spTree>
+      <p:nvGrpSpPr>
+        <p:cNvPr id="1" name=""/>
+        <p:cNvGrpSpPr/>
+        <p:nvPr/>
+      </p:nvGrpSpPr>
+      <p:grpSpPr>
+        <a:xfrm>
+          <a:off x="0" y="0"/>
+          <a:ext cx="0" cy="0"/>
+          <a:chOff x="0" y="0"/>
+          <a:chExt cx="0" cy="0"/>
+        </a:xfrm>
+      </p:grpSpPr>
+      <p:sp>
+        <p:nvSpPr>
+          <p:cNvPr id="2" name="Title 1"/>
+          <p:cNvSpPr>
+            <a:spLocks noGrp="1"/>
+          </p:cNvSpPr>
+          <p:nvPr>
+            <p:ph type="title"/>
+          </p:nvPr>
+        </p:nvSpPr>
+        <p:spPr/>
+        <p:txBody>
+          <a:bodyPr/>
+          <a:lstStyle/>
+          <a:p>
+            <a:r>
               <a:rPr lang="en-US" dirty="0" err="1" smtClean="0"/>
               <a:t>Tóm</a:t>
             </a:r>
@@ -3733,6 +4429,45 @@
             <a:r>
               <a:rPr lang="en-US" dirty="0" err="1" smtClean="0"/>
               <a:t>dụng</a:t>
+            </a:r>
+            <a:endParaRPr lang="en-US" dirty="0" smtClean="0"/>
+          </a:p>
+          <a:p>
+            <a:r>
+              <a:rPr lang="en-US" dirty="0" err="1" smtClean="0"/>
+              <a:t>Quy</a:t>
+            </a:r>
+            <a:r>
+              <a:rPr lang="en-US" dirty="0" smtClean="0"/>
+              <a:t> </a:t>
+            </a:r>
+            <a:r>
+              <a:rPr lang="en-US" dirty="0" err="1" smtClean="0"/>
+              <a:t>tắc</a:t>
+            </a:r>
+            <a:r>
+              <a:rPr lang="en-US" dirty="0" smtClean="0"/>
+              <a:t> </a:t>
+            </a:r>
+            <a:r>
+              <a:rPr lang="en-US" dirty="0" err="1" smtClean="0"/>
+              <a:t>ghi</a:t>
+            </a:r>
+            <a:r>
+              <a:rPr lang="en-US" dirty="0" smtClean="0"/>
+              <a:t> </a:t>
+            </a:r>
+            <a:r>
+              <a:rPr lang="en-US" err="1" smtClean="0"/>
+              <a:t>đè</a:t>
+            </a:r>
+            <a:r>
+              <a:rPr lang="en-US" smtClean="0"/>
+              <a:t> (Override</a:t>
+            </a:r>
+            <a:r>
+              <a:rPr lang="en-US" dirty="0" smtClean="0"/>
+              <a:t>)</a:t>
             </a:r>
             <a:endParaRPr lang="en-GB" dirty="0"/>
           </a:p>
@@ -3751,7 +4486,7 @@
 </p:sld>
 </file>
 
-<file path=ppt/slides/slide13.xml><?xml version="1.0" encoding="utf-8"?>
+<file path=ppt/slides/slide16.xml><?xml version="1.0" encoding="utf-8"?>
 <p:sld xmlns:a="http://schemas.openxmlformats.org/drawingml/2006/main" xmlns:r="http://schemas.openxmlformats.org/officeDocument/2006/relationships" xmlns:p="http://schemas.openxmlformats.org/presentationml/2006/main">
   <p:cSld>
     <p:spTree>
@@ -4314,6 +5049,13 @@
   <p:clrMapOvr>
     <a:masterClrMapping/>
   </p:clrMapOvr>
+  <p:timing>
+    <p:tnLst>
+      <p:par>
+        <p:cTn id="1" dur="indefinite" restart="never" nodeType="tmRoot"/>
+      </p:par>
+    </p:tnLst>
+  </p:timing>
 </p:sld>
 </file>
 
@@ -4396,7 +5138,6 @@
               <a:rPr lang="en-US" dirty="0" smtClean="0"/>
               <a:t>Interface</a:t>
             </a:r>
-            <a:endParaRPr lang="en-US" dirty="0" smtClean="0"/>
           </a:p>
           <a:p>
             <a:r>
@@ -6086,19 +6827,111 @@
           </a:xfrm>
         </p:spPr>
         <p:txBody>
-          <a:bodyPr/>
+          <a:bodyPr>
+            <a:normAutofit fontScale="92500" lnSpcReduction="20000"/>
+          </a:bodyPr>
           <a:lstStyle/>
           <a:p>
             <a:r>
               <a:rPr lang="en-US" sz="3600" dirty="0" smtClean="0"/>
-              <a:t>Private</a:t>
-            </a:r>
-          </a:p>
-          <a:p>
+              <a:t>Private: </a:t>
+            </a:r>
+            <a:r>
+              <a:rPr lang="en-US" sz="3600" dirty="0" err="1"/>
+              <a:t>C</a:t>
+            </a:r>
+            <a:r>
+              <a:rPr lang="en-US" sz="3600" dirty="0" err="1" smtClean="0"/>
+              <a:t>hỉ</a:t>
+            </a:r>
             <a:r>
               <a:rPr lang="en-US" sz="3600" dirty="0" smtClean="0"/>
-              <a:t>Public</a:t>
-            </a:r>
+              <a:t> </a:t>
+            </a:r>
+            <a:r>
+              <a:rPr lang="en-US" sz="3600" dirty="0" err="1" smtClean="0"/>
+              <a:t>sử</a:t>
+            </a:r>
+            <a:r>
+              <a:rPr lang="en-US" sz="3600" dirty="0" smtClean="0"/>
+              <a:t> </a:t>
+            </a:r>
+            <a:r>
+              <a:rPr lang="en-US" sz="3600" dirty="0" err="1" smtClean="0"/>
+              <a:t>dụng</a:t>
+            </a:r>
+            <a:r>
+              <a:rPr lang="en-US" sz="3600" dirty="0" smtClean="0"/>
+              <a:t> </a:t>
+            </a:r>
+            <a:r>
+              <a:rPr lang="en-US" sz="3600" dirty="0" err="1" smtClean="0"/>
+              <a:t>trong</a:t>
+            </a:r>
+            <a:r>
+              <a:rPr lang="en-US" sz="3600" dirty="0" smtClean="0"/>
+              <a:t> class</a:t>
+            </a:r>
+            <a:endParaRPr lang="en-US" sz="3600" dirty="0" smtClean="0"/>
+          </a:p>
+          <a:p>
+            <a:r>
+              <a:rPr lang="en-US" sz="3600" dirty="0" smtClean="0"/>
+              <a:t>Public: </a:t>
+            </a:r>
+            <a:r>
+              <a:rPr lang="en-US" sz="3600" dirty="0" err="1" smtClean="0"/>
+              <a:t>Có</a:t>
+            </a:r>
+            <a:r>
+              <a:rPr lang="en-US" sz="3600" dirty="0" smtClean="0"/>
+              <a:t> </a:t>
+            </a:r>
+            <a:r>
+              <a:rPr lang="en-US" sz="3600" dirty="0" err="1" smtClean="0"/>
+              <a:t>thể</a:t>
+            </a:r>
+            <a:r>
+              <a:rPr lang="en-US" sz="3600" dirty="0" smtClean="0"/>
+              <a:t> </a:t>
+            </a:r>
+            <a:r>
+              <a:rPr lang="en-US" sz="3600" dirty="0" err="1" smtClean="0"/>
+              <a:t>gọi</a:t>
+            </a:r>
+            <a:r>
+              <a:rPr lang="en-US" sz="3600" dirty="0" smtClean="0"/>
+              <a:t> </a:t>
+            </a:r>
+            <a:r>
+              <a:rPr lang="en-US" sz="3600" dirty="0" err="1" smtClean="0"/>
+              <a:t>bất</a:t>
+            </a:r>
+            <a:r>
+              <a:rPr lang="en-US" sz="3600" dirty="0" smtClean="0"/>
+              <a:t> </a:t>
+            </a:r>
+            <a:r>
+              <a:rPr lang="en-US" sz="3600" dirty="0" err="1" smtClean="0"/>
+              <a:t>cứ</a:t>
+            </a:r>
+            <a:r>
+              <a:rPr lang="en-US" sz="3600" dirty="0" smtClean="0"/>
+              <a:t> </a:t>
+            </a:r>
+            <a:r>
+              <a:rPr lang="en-US" sz="3600" dirty="0" err="1" smtClean="0"/>
+              <a:t>nơi</a:t>
+            </a:r>
+            <a:r>
+              <a:rPr lang="en-US" sz="3600" dirty="0" smtClean="0"/>
+              <a:t> </a:t>
+            </a:r>
+            <a:r>
+              <a:rPr lang="en-US" sz="3600" dirty="0" err="1" smtClean="0"/>
+              <a:t>nào</a:t>
+            </a:r>
+            <a:endParaRPr lang="en-US" sz="3600" dirty="0" smtClean="0"/>
           </a:p>
           <a:p>
             <a:r>
@@ -6113,13 +6946,170 @@
               <a:rPr lang="en-US" sz="3600" dirty="0" err="1" smtClean="0"/>
               <a:t>định</a:t>
             </a:r>
+            <a:r>
+              <a:rPr lang="en-US" sz="3600" dirty="0" smtClean="0"/>
+              <a:t>: </a:t>
+            </a:r>
+            <a:r>
+              <a:rPr lang="en-US" sz="3600" dirty="0" err="1" smtClean="0"/>
+              <a:t>trong</a:t>
+            </a:r>
+            <a:r>
+              <a:rPr lang="en-US" sz="3600" dirty="0" smtClean="0"/>
+              <a:t> </a:t>
+            </a:r>
+            <a:r>
+              <a:rPr lang="en-US" sz="3600" dirty="0" err="1" smtClean="0"/>
+              <a:t>nội</a:t>
+            </a:r>
+            <a:r>
+              <a:rPr lang="en-US" sz="3600" dirty="0" smtClean="0"/>
+              <a:t> </a:t>
+            </a:r>
+            <a:r>
+              <a:rPr lang="en-US" sz="3600" dirty="0" err="1" smtClean="0"/>
+              <a:t>bộ</a:t>
+            </a:r>
+            <a:r>
+              <a:rPr lang="en-US" sz="3600" dirty="0" smtClean="0"/>
+              <a:t> package </a:t>
+            </a:r>
+            <a:r>
+              <a:rPr lang="en-US" sz="3600" dirty="0" err="1" smtClean="0"/>
+              <a:t>và</a:t>
+            </a:r>
+            <a:r>
+              <a:rPr lang="en-US" sz="3600" dirty="0" smtClean="0"/>
+              <a:t> </a:t>
+            </a:r>
+            <a:r>
+              <a:rPr lang="en-US" sz="3600" dirty="0" err="1" smtClean="0"/>
+              <a:t>không</a:t>
+            </a:r>
+            <a:r>
+              <a:rPr lang="en-US" sz="3600" dirty="0" smtClean="0"/>
+              <a:t> </a:t>
+            </a:r>
+            <a:r>
+              <a:rPr lang="en-US" sz="3600" dirty="0" err="1" smtClean="0"/>
+              <a:t>cho</a:t>
+            </a:r>
+            <a:r>
+              <a:rPr lang="en-US" sz="3600" dirty="0" smtClean="0"/>
+              <a:t> </a:t>
+            </a:r>
+            <a:r>
+              <a:rPr lang="en-US" sz="3600" dirty="0" err="1" smtClean="0"/>
+              <a:t>phép</a:t>
+            </a:r>
+            <a:r>
+              <a:rPr lang="en-US" sz="3600" dirty="0" smtClean="0"/>
+              <a:t> </a:t>
+            </a:r>
+            <a:r>
+              <a:rPr lang="en-US" sz="3600" dirty="0" err="1" smtClean="0"/>
+              <a:t>truy</a:t>
+            </a:r>
+            <a:r>
+              <a:rPr lang="en-US" sz="3600" dirty="0" smtClean="0"/>
+              <a:t> </a:t>
+            </a:r>
+            <a:r>
+              <a:rPr lang="en-US" sz="3600" dirty="0" err="1" smtClean="0"/>
+              <a:t>cập</a:t>
+            </a:r>
+            <a:r>
+              <a:rPr lang="en-US" sz="3600" dirty="0" smtClean="0"/>
+              <a:t> </a:t>
+            </a:r>
+            <a:r>
+              <a:rPr lang="en-US" sz="3600" dirty="0" err="1" smtClean="0"/>
+              <a:t>bên</a:t>
+            </a:r>
+            <a:r>
+              <a:rPr lang="en-US" sz="3600" dirty="0" smtClean="0"/>
+              <a:t> </a:t>
+            </a:r>
+            <a:r>
+              <a:rPr lang="en-US" sz="3600" dirty="0" err="1" smtClean="0"/>
+              <a:t>ngoài</a:t>
+            </a:r>
+            <a:r>
+              <a:rPr lang="en-US" sz="3600" dirty="0" smtClean="0"/>
+              <a:t> </a:t>
+            </a:r>
+            <a:r>
+              <a:rPr lang="en-US" sz="3600" dirty="0" err="1" smtClean="0"/>
+              <a:t>kể</a:t>
+            </a:r>
+            <a:r>
+              <a:rPr lang="en-US" sz="3600" dirty="0" smtClean="0"/>
+              <a:t> </a:t>
+            </a:r>
+            <a:r>
+              <a:rPr lang="en-US" sz="3600" dirty="0" err="1" smtClean="0"/>
+              <a:t>cả</a:t>
+            </a:r>
+            <a:r>
+              <a:rPr lang="en-US" sz="3600" dirty="0" smtClean="0"/>
+              <a:t> subclas</a:t>
+            </a:r>
+            <a:r>
+              <a:rPr lang="en-US" sz="3600" dirty="0" smtClean="0"/>
+              <a:t>s</a:t>
+            </a:r>
             <a:endParaRPr lang="en-US" sz="3600" dirty="0" smtClean="0"/>
           </a:p>
           <a:p>
             <a:r>
               <a:rPr lang="en-US" sz="3600" dirty="0" smtClean="0"/>
-              <a:t>Protected</a:t>
-            </a:r>
+              <a:t>Protected: </a:t>
+            </a:r>
+            <a:r>
+              <a:rPr lang="en-US" sz="3600" dirty="0" err="1" smtClean="0"/>
+              <a:t>truy</a:t>
+            </a:r>
+            <a:r>
+              <a:rPr lang="en-US" sz="3600" dirty="0" smtClean="0"/>
+              <a:t> </a:t>
+            </a:r>
+            <a:r>
+              <a:rPr lang="en-US" sz="3600" dirty="0" err="1" smtClean="0"/>
+              <a:t>cập</a:t>
+            </a:r>
+            <a:r>
+              <a:rPr lang="en-US" sz="3600" dirty="0" smtClean="0"/>
+              <a:t> </a:t>
+            </a:r>
+            <a:r>
+              <a:rPr lang="en-US" sz="3600" dirty="0" err="1" smtClean="0"/>
+              <a:t>tron</a:t>
+            </a:r>
+            <a:r>
+              <a:rPr lang="en-US" sz="3600" dirty="0" err="1" smtClean="0"/>
+              <a:t>g</a:t>
+            </a:r>
+            <a:r>
+              <a:rPr lang="en-US" sz="3600" dirty="0" smtClean="0"/>
+              <a:t> package </a:t>
+            </a:r>
+            <a:r>
+              <a:rPr lang="en-US" sz="3600" dirty="0" err="1" smtClean="0"/>
+              <a:t>nhưng</a:t>
+            </a:r>
+            <a:r>
+              <a:rPr lang="en-US" sz="3600" dirty="0" smtClean="0"/>
+              <a:t> </a:t>
+            </a:r>
+            <a:r>
+              <a:rPr lang="en-US" sz="3600" dirty="0" err="1" smtClean="0"/>
+              <a:t>phải</a:t>
+            </a:r>
+            <a:r>
+              <a:rPr lang="en-US" sz="3600" dirty="0" smtClean="0"/>
+              <a:t> qua subclass</a:t>
+            </a:r>
+            <a:endParaRPr lang="en-US" sz="3600" dirty="0" smtClean="0"/>
           </a:p>
           <a:p>
             <a:endParaRPr lang="en-GB" dirty="0"/>
